--- a/flask/app/static/img/pipeline.pptx
+++ b/flask/app/static/img/pipeline.pptx
@@ -104,6 +104,22 @@
       </a:defRPr>
     </a:lvl9pPr>
   </p:defaultTextStyle>
+  <p:extLst>
+    <p:ext uri="{EFAFB233-063F-42B5-8137-9DF3F51BA10A}">
+      <p15:sldGuideLst xmlns:p15="http://schemas.microsoft.com/office/powerpoint/2012/main">
+        <p15:guide id="1" orient="horz" pos="2160">
+          <p15:clr>
+            <a:srgbClr val="A4A3A4"/>
+          </p15:clr>
+        </p15:guide>
+        <p15:guide id="2" pos="2880">
+          <p15:clr>
+            <a:srgbClr val="A4A3A4"/>
+          </p15:clr>
+        </p15:guide>
+      </p15:sldGuideLst>
+    </p:ext>
+  </p:extLst>
 </p:presentation>
 </file>
 
@@ -288,7 +304,7 @@
           <a:p>
             <a:fld id="{B680D70D-E60A-7F4B-B8D3-01E6546A7E75}" type="datetimeFigureOut">
               <a:rPr lang="en-US" smtClean="0"/>
-              <a:t>2/8/16</a:t>
+              <a:t>10/24/16</a:t>
             </a:fld>
             <a:endParaRPr lang="en-US"/>
           </a:p>
@@ -458,7 +474,7 @@
           <a:p>
             <a:fld id="{B680D70D-E60A-7F4B-B8D3-01E6546A7E75}" type="datetimeFigureOut">
               <a:rPr lang="en-US" smtClean="0"/>
-              <a:t>2/8/16</a:t>
+              <a:t>10/24/16</a:t>
             </a:fld>
             <a:endParaRPr lang="en-US"/>
           </a:p>
@@ -638,7 +654,7 @@
           <a:p>
             <a:fld id="{B680D70D-E60A-7F4B-B8D3-01E6546A7E75}" type="datetimeFigureOut">
               <a:rPr lang="en-US" smtClean="0"/>
-              <a:t>2/8/16</a:t>
+              <a:t>10/24/16</a:t>
             </a:fld>
             <a:endParaRPr lang="en-US"/>
           </a:p>
@@ -808,7 +824,7 @@
           <a:p>
             <a:fld id="{B680D70D-E60A-7F4B-B8D3-01E6546A7E75}" type="datetimeFigureOut">
               <a:rPr lang="en-US" smtClean="0"/>
-              <a:t>2/8/16</a:t>
+              <a:t>10/24/16</a:t>
             </a:fld>
             <a:endParaRPr lang="en-US"/>
           </a:p>
@@ -1054,7 +1070,7 @@
           <a:p>
             <a:fld id="{B680D70D-E60A-7F4B-B8D3-01E6546A7E75}" type="datetimeFigureOut">
               <a:rPr lang="en-US" smtClean="0"/>
-              <a:t>2/8/16</a:t>
+              <a:t>10/24/16</a:t>
             </a:fld>
             <a:endParaRPr lang="en-US"/>
           </a:p>
@@ -1342,7 +1358,7 @@
           <a:p>
             <a:fld id="{B680D70D-E60A-7F4B-B8D3-01E6546A7E75}" type="datetimeFigureOut">
               <a:rPr lang="en-US" smtClean="0"/>
-              <a:t>2/8/16</a:t>
+              <a:t>10/24/16</a:t>
             </a:fld>
             <a:endParaRPr lang="en-US"/>
           </a:p>
@@ -1764,7 +1780,7 @@
           <a:p>
             <a:fld id="{B680D70D-E60A-7F4B-B8D3-01E6546A7E75}" type="datetimeFigureOut">
               <a:rPr lang="en-US" smtClean="0"/>
-              <a:t>2/8/16</a:t>
+              <a:t>10/24/16</a:t>
             </a:fld>
             <a:endParaRPr lang="en-US"/>
           </a:p>
@@ -1882,7 +1898,7 @@
           <a:p>
             <a:fld id="{B680D70D-E60A-7F4B-B8D3-01E6546A7E75}" type="datetimeFigureOut">
               <a:rPr lang="en-US" smtClean="0"/>
-              <a:t>2/8/16</a:t>
+              <a:t>10/24/16</a:t>
             </a:fld>
             <a:endParaRPr lang="en-US"/>
           </a:p>
@@ -1977,7 +1993,7 @@
           <a:p>
             <a:fld id="{B680D70D-E60A-7F4B-B8D3-01E6546A7E75}" type="datetimeFigureOut">
               <a:rPr lang="en-US" smtClean="0"/>
-              <a:t>2/8/16</a:t>
+              <a:t>10/24/16</a:t>
             </a:fld>
             <a:endParaRPr lang="en-US"/>
           </a:p>
@@ -2254,7 +2270,7 @@
           <a:p>
             <a:fld id="{B680D70D-E60A-7F4B-B8D3-01E6546A7E75}" type="datetimeFigureOut">
               <a:rPr lang="en-US" smtClean="0"/>
-              <a:t>2/8/16</a:t>
+              <a:t>10/24/16</a:t>
             </a:fld>
             <a:endParaRPr lang="en-US"/>
           </a:p>
@@ -2507,7 +2523,7 @@
           <a:p>
             <a:fld id="{B680D70D-E60A-7F4B-B8D3-01E6546A7E75}" type="datetimeFigureOut">
               <a:rPr lang="en-US" smtClean="0"/>
-              <a:t>2/8/16</a:t>
+              <a:t>10/24/16</a:t>
             </a:fld>
             <a:endParaRPr lang="en-US"/>
           </a:p>
@@ -2720,7 +2736,7 @@
           <a:p>
             <a:fld id="{B680D70D-E60A-7F4B-B8D3-01E6546A7E75}" type="datetimeFigureOut">
               <a:rPr lang="en-US" smtClean="0"/>
-              <a:t>2/8/16</a:t>
+              <a:t>10/24/16</a:t>
             </a:fld>
             <a:endParaRPr lang="en-US"/>
           </a:p>
@@ -3095,78 +3111,821 @@
           <a:chExt cx="0" cy="0"/>
         </a:xfrm>
       </p:grpSpPr>
-      <p:pic>
-        <p:nvPicPr>
-          <p:cNvPr id="2" name="Picture 1"/>
-          <p:cNvPicPr>
-            <a:picLocks noChangeAspect="1"/>
-          </p:cNvPicPr>
-          <p:nvPr/>
-        </p:nvPicPr>
-        <p:blipFill>
-          <a:blip r:embed="rId2"/>
-          <a:stretch>
-            <a:fillRect/>
-          </a:stretch>
-        </p:blipFill>
-        <p:spPr>
-          <a:xfrm>
-            <a:off x="1265160" y="2848847"/>
-            <a:ext cx="1369880" cy="1145562"/>
-          </a:xfrm>
-          <a:prstGeom prst="rect">
-            <a:avLst/>
-          </a:prstGeom>
-        </p:spPr>
-      </p:pic>
-      <p:pic>
-        <p:nvPicPr>
-          <p:cNvPr id="3" name="Picture 2"/>
-          <p:cNvPicPr>
-            <a:picLocks noChangeAspect="1"/>
-          </p:cNvPicPr>
-          <p:nvPr/>
-        </p:nvPicPr>
-        <p:blipFill>
-          <a:blip r:embed="rId3"/>
-          <a:stretch>
-            <a:fillRect/>
-          </a:stretch>
-        </p:blipFill>
-        <p:spPr>
-          <a:xfrm>
-            <a:off x="5113333" y="2594011"/>
-            <a:ext cx="964506" cy="1495358"/>
-          </a:xfrm>
-          <a:prstGeom prst="rect">
-            <a:avLst/>
-          </a:prstGeom>
-        </p:spPr>
-      </p:pic>
       <p:grpSp>
         <p:nvGrpSpPr>
-          <p:cNvPr id="9" name="Group 8"/>
+          <p:cNvPr id="22" name="Group 21"/>
           <p:cNvGrpSpPr/>
           <p:nvPr/>
         </p:nvGrpSpPr>
         <p:grpSpPr>
           <a:xfrm>
-            <a:off x="990415" y="4499897"/>
-            <a:ext cx="1759632" cy="884160"/>
-            <a:chOff x="1014156" y="4219941"/>
-            <a:chExt cx="1759632" cy="884160"/>
+            <a:off x="698932" y="560816"/>
+            <a:ext cx="7180425" cy="3766823"/>
+            <a:chOff x="698932" y="560816"/>
+            <a:chExt cx="7180425" cy="3766823"/>
           </a:xfrm>
         </p:grpSpPr>
+        <p:grpSp>
+          <p:nvGrpSpPr>
+            <p:cNvPr id="6" name="Group 5"/>
+            <p:cNvGrpSpPr/>
+            <p:nvPr/>
+          </p:nvGrpSpPr>
+          <p:grpSpPr>
+            <a:xfrm>
+              <a:off x="875961" y="560816"/>
+              <a:ext cx="7003396" cy="3461847"/>
+              <a:chOff x="940507" y="2594011"/>
+              <a:chExt cx="7003396" cy="3461847"/>
+            </a:xfrm>
+          </p:grpSpPr>
+          <p:pic>
+            <p:nvPicPr>
+              <p:cNvPr id="2" name="Picture 1"/>
+              <p:cNvPicPr>
+                <a:picLocks noChangeAspect="1"/>
+              </p:cNvPicPr>
+              <p:nvPr/>
+            </p:nvPicPr>
+            <p:blipFill>
+              <a:blip r:embed="rId2"/>
+              <a:stretch>
+                <a:fillRect/>
+              </a:stretch>
+            </p:blipFill>
+            <p:spPr>
+              <a:xfrm>
+                <a:off x="1265160" y="2848847"/>
+                <a:ext cx="1369880" cy="1145562"/>
+              </a:xfrm>
+              <a:prstGeom prst="rect">
+                <a:avLst/>
+              </a:prstGeom>
+            </p:spPr>
+          </p:pic>
+          <p:pic>
+            <p:nvPicPr>
+              <p:cNvPr id="3" name="Picture 2"/>
+              <p:cNvPicPr>
+                <a:picLocks noChangeAspect="1"/>
+              </p:cNvPicPr>
+              <p:nvPr/>
+            </p:nvPicPr>
+            <p:blipFill>
+              <a:blip r:embed="rId3"/>
+              <a:stretch>
+                <a:fillRect/>
+              </a:stretch>
+            </p:blipFill>
+            <p:spPr>
+              <a:xfrm>
+                <a:off x="5113333" y="2594011"/>
+                <a:ext cx="964506" cy="1495358"/>
+              </a:xfrm>
+              <a:prstGeom prst="rect">
+                <a:avLst/>
+              </a:prstGeom>
+            </p:spPr>
+          </p:pic>
+          <p:grpSp>
+            <p:nvGrpSpPr>
+              <p:cNvPr id="9" name="Group 8"/>
+              <p:cNvGrpSpPr/>
+              <p:nvPr/>
+            </p:nvGrpSpPr>
+            <p:grpSpPr>
+              <a:xfrm>
+                <a:off x="940507" y="4499897"/>
+                <a:ext cx="1850347" cy="884160"/>
+                <a:chOff x="964248" y="4219941"/>
+                <a:chExt cx="1850347" cy="884160"/>
+              </a:xfrm>
+            </p:grpSpPr>
+            <p:sp>
+              <p:nvSpPr>
+                <p:cNvPr id="4" name="Rectangle 3"/>
+                <p:cNvSpPr/>
+                <p:nvPr/>
+              </p:nvSpPr>
+              <p:spPr>
+                <a:xfrm>
+                  <a:off x="1014156" y="4219941"/>
+                  <a:ext cx="1759632" cy="884160"/>
+                </a:xfrm>
+                <a:prstGeom prst="rect">
+                  <a:avLst/>
+                </a:prstGeom>
+                <a:noFill/>
+                <a:ln w="28575" cmpd="sng">
+                  <a:solidFill>
+                    <a:schemeClr val="tx1"/>
+                  </a:solidFill>
+                </a:ln>
+                <a:effectLst/>
+              </p:spPr>
+              <p:style>
+                <a:lnRef idx="1">
+                  <a:schemeClr val="accent1"/>
+                </a:lnRef>
+                <a:fillRef idx="3">
+                  <a:schemeClr val="accent1"/>
+                </a:fillRef>
+                <a:effectRef idx="2">
+                  <a:schemeClr val="accent1"/>
+                </a:effectRef>
+                <a:fontRef idx="minor">
+                  <a:schemeClr val="lt1"/>
+                </a:fontRef>
+              </p:style>
+              <p:txBody>
+                <a:bodyPr rtlCol="0" anchor="ctr"/>
+                <a:lstStyle/>
+                <a:p>
+                  <a:pPr algn="ctr"/>
+                  <a:endParaRPr lang="en-US">
+                    <a:ln w="28575" cmpd="sng">
+                      <a:solidFill>
+                        <a:schemeClr val="tx1"/>
+                      </a:solidFill>
+                    </a:ln>
+                  </a:endParaRPr>
+                </a:p>
+              </p:txBody>
+            </p:sp>
+            <p:sp>
+              <p:nvSpPr>
+                <p:cNvPr id="5" name="TextBox 4"/>
+                <p:cNvSpPr txBox="1"/>
+                <p:nvPr/>
+              </p:nvSpPr>
+              <p:spPr>
+                <a:xfrm>
+                  <a:off x="964248" y="4522538"/>
+                  <a:ext cx="1850347" cy="276999"/>
+                </a:xfrm>
+                <a:prstGeom prst="rect">
+                  <a:avLst/>
+                </a:prstGeom>
+                <a:noFill/>
+              </p:spPr>
+              <p:txBody>
+                <a:bodyPr wrap="square" rtlCol="0">
+                  <a:spAutoFit/>
+                </a:bodyPr>
+                <a:lstStyle/>
+                <a:p>
+                  <a:pPr algn="ctr"/>
+                  <a:r>
+                    <a:rPr lang="en-US" sz="1200" dirty="0" smtClean="0"/>
+                    <a:t>python </a:t>
+                  </a:r>
+                  <a:r>
+                    <a:rPr lang="en-US" sz="1200" dirty="0" err="1" smtClean="0"/>
+                    <a:t>auto_producer.py</a:t>
+                  </a:r>
+                  <a:endParaRPr lang="en-US" sz="1200" dirty="0"/>
+                </a:p>
+              </p:txBody>
+            </p:sp>
+          </p:grpSp>
+          <p:cxnSp>
+            <p:nvCxnSpPr>
+              <p:cNvPr id="8" name="Straight Arrow Connector 7"/>
+              <p:cNvCxnSpPr/>
+              <p:nvPr/>
+            </p:nvCxnSpPr>
+            <p:spPr>
+              <a:xfrm>
+                <a:off x="3370978" y="3525446"/>
+                <a:ext cx="1222563" cy="0"/>
+              </a:xfrm>
+              <a:prstGeom prst="straightConnector1">
+                <a:avLst/>
+              </a:prstGeom>
+              <a:ln>
+                <a:solidFill>
+                  <a:srgbClr val="000000"/>
+                </a:solidFill>
+                <a:tailEnd type="arrow"/>
+              </a:ln>
+              <a:effectLst/>
+            </p:spPr>
+            <p:style>
+              <a:lnRef idx="2">
+                <a:schemeClr val="accent1"/>
+              </a:lnRef>
+              <a:fillRef idx="0">
+                <a:schemeClr val="accent1"/>
+              </a:fillRef>
+              <a:effectRef idx="1">
+                <a:schemeClr val="accent1"/>
+              </a:effectRef>
+              <a:fontRef idx="minor">
+                <a:schemeClr val="tx1"/>
+              </a:fontRef>
+            </p:style>
+          </p:cxnSp>
+          <p:grpSp>
+            <p:nvGrpSpPr>
+              <p:cNvPr id="21" name="Group 20"/>
+              <p:cNvGrpSpPr/>
+              <p:nvPr/>
+            </p:nvGrpSpPr>
+            <p:grpSpPr>
+              <a:xfrm>
+                <a:off x="3370978" y="4496752"/>
+                <a:ext cx="4572925" cy="1559106"/>
+                <a:chOff x="4139319" y="4378052"/>
+                <a:chExt cx="4572925" cy="1559106"/>
+              </a:xfrm>
+            </p:grpSpPr>
+            <p:sp>
+              <p:nvSpPr>
+                <p:cNvPr id="11" name="Rectangle 10"/>
+                <p:cNvSpPr/>
+                <p:nvPr/>
+              </p:nvSpPr>
+              <p:spPr>
+                <a:xfrm>
+                  <a:off x="4139319" y="4378052"/>
+                  <a:ext cx="4572925" cy="1559106"/>
+                </a:xfrm>
+                <a:prstGeom prst="rect">
+                  <a:avLst/>
+                </a:prstGeom>
+                <a:noFill/>
+                <a:ln w="28575" cmpd="sng">
+                  <a:solidFill>
+                    <a:schemeClr val="tx1"/>
+                  </a:solidFill>
+                </a:ln>
+                <a:effectLst/>
+              </p:spPr>
+              <p:style>
+                <a:lnRef idx="1">
+                  <a:schemeClr val="accent1"/>
+                </a:lnRef>
+                <a:fillRef idx="3">
+                  <a:schemeClr val="accent1"/>
+                </a:fillRef>
+                <a:effectRef idx="2">
+                  <a:schemeClr val="accent1"/>
+                </a:effectRef>
+                <a:fontRef idx="minor">
+                  <a:schemeClr val="lt1"/>
+                </a:fontRef>
+              </p:style>
+              <p:txBody>
+                <a:bodyPr rtlCol="0" anchor="ctr"/>
+                <a:lstStyle/>
+                <a:p>
+                  <a:pPr algn="ctr"/>
+                  <a:endParaRPr lang="en-US">
+                    <a:ln w="28575" cmpd="sng">
+                      <a:solidFill>
+                        <a:schemeClr val="tx1"/>
+                      </a:solidFill>
+                    </a:ln>
+                  </a:endParaRPr>
+                </a:p>
+              </p:txBody>
+            </p:sp>
+            <p:sp>
+              <p:nvSpPr>
+                <p:cNvPr id="12" name="TextBox 11"/>
+                <p:cNvSpPr txBox="1"/>
+                <p:nvPr/>
+              </p:nvSpPr>
+              <p:spPr>
+                <a:xfrm>
+                  <a:off x="5070877" y="4641239"/>
+                  <a:ext cx="2708005" cy="276999"/>
+                </a:xfrm>
+                <a:prstGeom prst="rect">
+                  <a:avLst/>
+                </a:prstGeom>
+                <a:noFill/>
+                <a:ln>
+                  <a:solidFill>
+                    <a:srgbClr val="000000"/>
+                  </a:solidFill>
+                </a:ln>
+              </p:spPr>
+              <p:txBody>
+                <a:bodyPr wrap="square" rtlCol="0">
+                  <a:spAutoFit/>
+                </a:bodyPr>
+                <a:lstStyle/>
+                <a:p>
+                  <a:r>
+                    <a:rPr lang="en-US" sz="1200" smtClean="0"/>
+                    <a:t>./bin/spark-submit </a:t>
+                  </a:r>
+                  <a:r>
+                    <a:rPr lang="en-US" sz="1200" dirty="0" err="1" smtClean="0"/>
+                    <a:t>stream_predict.py</a:t>
+                  </a:r>
+                  <a:endParaRPr lang="en-US" sz="1200" dirty="0"/>
+                </a:p>
+              </p:txBody>
+            </p:sp>
+            <p:grpSp>
+              <p:nvGrpSpPr>
+                <p:cNvPr id="20" name="Group 19"/>
+                <p:cNvGrpSpPr/>
+                <p:nvPr/>
+              </p:nvGrpSpPr>
+              <p:grpSpPr>
+                <a:xfrm>
+                  <a:off x="4154335" y="5036941"/>
+                  <a:ext cx="4480458" cy="731894"/>
+                  <a:chOff x="4154335" y="4493464"/>
+                  <a:chExt cx="4480458" cy="731894"/>
+                </a:xfrm>
+              </p:grpSpPr>
+              <p:pic>
+                <p:nvPicPr>
+                  <p:cNvPr id="13" name="Picture 12"/>
+                  <p:cNvPicPr>
+                    <a:picLocks noChangeAspect="1"/>
+                  </p:cNvPicPr>
+                  <p:nvPr/>
+                </p:nvPicPr>
+                <p:blipFill>
+                  <a:blip r:embed="rId4"/>
+                  <a:stretch>
+                    <a:fillRect/>
+                  </a:stretch>
+                </p:blipFill>
+                <p:spPr>
+                  <a:xfrm>
+                    <a:off x="5808966" y="4493464"/>
+                    <a:ext cx="1277153" cy="730846"/>
+                  </a:xfrm>
+                  <a:prstGeom prst="rect">
+                    <a:avLst/>
+                  </a:prstGeom>
+                </p:spPr>
+              </p:pic>
+              <p:pic>
+                <p:nvPicPr>
+                  <p:cNvPr id="15" name="Picture 14"/>
+                  <p:cNvPicPr>
+                    <a:picLocks noChangeAspect="1"/>
+                  </p:cNvPicPr>
+                  <p:nvPr/>
+                </p:nvPicPr>
+                <p:blipFill>
+                  <a:blip r:embed="rId5"/>
+                  <a:stretch>
+                    <a:fillRect/>
+                  </a:stretch>
+                </p:blipFill>
+                <p:spPr>
+                  <a:xfrm>
+                    <a:off x="4154335" y="4534405"/>
+                    <a:ext cx="1314496" cy="690953"/>
+                  </a:xfrm>
+                  <a:prstGeom prst="rect">
+                    <a:avLst/>
+                  </a:prstGeom>
+                </p:spPr>
+              </p:pic>
+              <p:pic>
+                <p:nvPicPr>
+                  <p:cNvPr id="16" name="Picture 15"/>
+                  <p:cNvPicPr>
+                    <a:picLocks noChangeAspect="1"/>
+                  </p:cNvPicPr>
+                  <p:nvPr/>
+                </p:nvPicPr>
+                <p:blipFill>
+                  <a:blip r:embed="rId6"/>
+                  <a:stretch>
+                    <a:fillRect/>
+                  </a:stretch>
+                </p:blipFill>
+                <p:spPr>
+                  <a:xfrm>
+                    <a:off x="7472225" y="4708550"/>
+                    <a:ext cx="1162568" cy="387741"/>
+                  </a:xfrm>
+                  <a:prstGeom prst="rect">
+                    <a:avLst/>
+                  </a:prstGeom>
+                </p:spPr>
+              </p:pic>
+              <p:cxnSp>
+                <p:nvCxnSpPr>
+                  <p:cNvPr id="17" name="Straight Arrow Connector 16"/>
+                  <p:cNvCxnSpPr/>
+                  <p:nvPr/>
+                </p:nvCxnSpPr>
+                <p:spPr>
+                  <a:xfrm>
+                    <a:off x="5455791" y="4900475"/>
+                    <a:ext cx="341305" cy="0"/>
+                  </a:xfrm>
+                  <a:prstGeom prst="straightConnector1">
+                    <a:avLst/>
+                  </a:prstGeom>
+                  <a:ln>
+                    <a:solidFill>
+                      <a:srgbClr val="632523"/>
+                    </a:solidFill>
+                    <a:prstDash val="sysDash"/>
+                    <a:tailEnd type="arrow"/>
+                  </a:ln>
+                  <a:effectLst/>
+                </p:spPr>
+                <p:style>
+                  <a:lnRef idx="2">
+                    <a:schemeClr val="accent1"/>
+                  </a:lnRef>
+                  <a:fillRef idx="0">
+                    <a:schemeClr val="accent1"/>
+                  </a:fillRef>
+                  <a:effectRef idx="1">
+                    <a:schemeClr val="accent1"/>
+                  </a:effectRef>
+                  <a:fontRef idx="minor">
+                    <a:schemeClr val="tx1"/>
+                  </a:fontRef>
+                </p:style>
+              </p:cxnSp>
+              <p:cxnSp>
+                <p:nvCxnSpPr>
+                  <p:cNvPr id="19" name="Straight Arrow Connector 18"/>
+                  <p:cNvCxnSpPr/>
+                  <p:nvPr/>
+                </p:nvCxnSpPr>
+                <p:spPr>
+                  <a:xfrm>
+                    <a:off x="7083440" y="4908521"/>
+                    <a:ext cx="341305" cy="0"/>
+                  </a:xfrm>
+                  <a:prstGeom prst="straightConnector1">
+                    <a:avLst/>
+                  </a:prstGeom>
+                  <a:ln>
+                    <a:solidFill>
+                      <a:srgbClr val="632523"/>
+                    </a:solidFill>
+                    <a:prstDash val="sysDash"/>
+                    <a:tailEnd type="arrow"/>
+                  </a:ln>
+                  <a:effectLst/>
+                </p:spPr>
+                <p:style>
+                  <a:lnRef idx="2">
+                    <a:schemeClr val="accent1"/>
+                  </a:lnRef>
+                  <a:fillRef idx="0">
+                    <a:schemeClr val="accent1"/>
+                  </a:fillRef>
+                  <a:effectRef idx="1">
+                    <a:schemeClr val="accent1"/>
+                  </a:effectRef>
+                  <a:fontRef idx="minor">
+                    <a:schemeClr val="tx1"/>
+                  </a:fontRef>
+                </p:style>
+              </p:cxnSp>
+            </p:grpSp>
+          </p:grpSp>
+          <p:cxnSp>
+            <p:nvCxnSpPr>
+              <p:cNvPr id="23" name="Straight Connector 22"/>
+              <p:cNvCxnSpPr>
+                <a:stCxn id="4" idx="0"/>
+              </p:cNvCxnSpPr>
+              <p:nvPr/>
+            </p:nvCxnSpPr>
+            <p:spPr>
+              <a:xfrm flipV="1">
+                <a:off x="1870231" y="3893421"/>
+                <a:ext cx="0" cy="606476"/>
+              </a:xfrm>
+              <a:prstGeom prst="line">
+                <a:avLst/>
+              </a:prstGeom>
+              <a:ln>
+                <a:solidFill>
+                  <a:srgbClr val="000000"/>
+                </a:solidFill>
+              </a:ln>
+            </p:spPr>
+            <p:style>
+              <a:lnRef idx="2">
+                <a:schemeClr val="accent1"/>
+              </a:lnRef>
+              <a:fillRef idx="0">
+                <a:schemeClr val="accent1"/>
+              </a:fillRef>
+              <a:effectRef idx="1">
+                <a:schemeClr val="accent1"/>
+              </a:effectRef>
+              <a:fontRef idx="minor">
+                <a:schemeClr val="tx1"/>
+              </a:fontRef>
+            </p:style>
+          </p:cxnSp>
+          <p:cxnSp>
+            <p:nvCxnSpPr>
+              <p:cNvPr id="27" name="Straight Connector 26"/>
+              <p:cNvCxnSpPr/>
+              <p:nvPr/>
+            </p:nvCxnSpPr>
+            <p:spPr>
+              <a:xfrm flipV="1">
+                <a:off x="5595364" y="4089369"/>
+                <a:ext cx="0" cy="410528"/>
+              </a:xfrm>
+              <a:prstGeom prst="line">
+                <a:avLst/>
+              </a:prstGeom>
+              <a:ln>
+                <a:solidFill>
+                  <a:srgbClr val="000000"/>
+                </a:solidFill>
+              </a:ln>
+            </p:spPr>
+            <p:style>
+              <a:lnRef idx="2">
+                <a:schemeClr val="accent1"/>
+              </a:lnRef>
+              <a:fillRef idx="0">
+                <a:schemeClr val="accent1"/>
+              </a:fillRef>
+              <a:effectRef idx="1">
+                <a:schemeClr val="accent1"/>
+              </a:effectRef>
+              <a:fontRef idx="minor">
+                <a:schemeClr val="tx1"/>
+              </a:fontRef>
+            </p:style>
+          </p:cxnSp>
+          <p:cxnSp>
+            <p:nvCxnSpPr>
+              <p:cNvPr id="30" name="Straight Connector 29"/>
+              <p:cNvCxnSpPr>
+                <a:endCxn id="3" idx="3"/>
+              </p:cNvCxnSpPr>
+              <p:nvPr/>
+            </p:nvCxnSpPr>
+            <p:spPr>
+              <a:xfrm flipH="1">
+                <a:off x="6077839" y="3341690"/>
+                <a:ext cx="388651" cy="0"/>
+              </a:xfrm>
+              <a:prstGeom prst="line">
+                <a:avLst/>
+              </a:prstGeom>
+              <a:ln>
+                <a:solidFill>
+                  <a:srgbClr val="000000"/>
+                </a:solidFill>
+              </a:ln>
+            </p:spPr>
+            <p:style>
+              <a:lnRef idx="2">
+                <a:schemeClr val="accent1"/>
+              </a:lnRef>
+              <a:fillRef idx="0">
+                <a:schemeClr val="accent1"/>
+              </a:fillRef>
+              <a:effectRef idx="1">
+                <a:schemeClr val="accent1"/>
+              </a:effectRef>
+              <a:fontRef idx="minor">
+                <a:schemeClr val="tx1"/>
+              </a:fontRef>
+            </p:style>
+          </p:cxnSp>
+          <p:sp>
+            <p:nvSpPr>
+              <p:cNvPr id="34" name="Rectangle 33"/>
+              <p:cNvSpPr/>
+              <p:nvPr/>
+            </p:nvSpPr>
+            <p:spPr>
+              <a:xfrm>
+                <a:off x="6502100" y="2718272"/>
+                <a:ext cx="1441803" cy="1044577"/>
+              </a:xfrm>
+              <a:prstGeom prst="rect">
+                <a:avLst/>
+              </a:prstGeom>
+              <a:noFill/>
+              <a:ln w="28575" cmpd="sng">
+                <a:solidFill>
+                  <a:schemeClr val="tx1"/>
+                </a:solidFill>
+              </a:ln>
+              <a:effectLst/>
+            </p:spPr>
+            <p:style>
+              <a:lnRef idx="1">
+                <a:schemeClr val="accent1"/>
+              </a:lnRef>
+              <a:fillRef idx="3">
+                <a:schemeClr val="accent1"/>
+              </a:fillRef>
+              <a:effectRef idx="2">
+                <a:schemeClr val="accent1"/>
+              </a:effectRef>
+              <a:fontRef idx="minor">
+                <a:schemeClr val="lt1"/>
+              </a:fontRef>
+            </p:style>
+            <p:txBody>
+              <a:bodyPr rtlCol="0" anchor="ctr"/>
+              <a:lstStyle/>
+              <a:p>
+                <a:pPr algn="ctr"/>
+                <a:endParaRPr lang="en-US">
+                  <a:ln w="28575" cmpd="sng">
+                    <a:solidFill>
+                      <a:schemeClr val="tx1"/>
+                    </a:solidFill>
+                  </a:ln>
+                </a:endParaRPr>
+              </a:p>
+            </p:txBody>
+          </p:sp>
+          <p:pic>
+            <p:nvPicPr>
+              <p:cNvPr id="42" name="Picture 41"/>
+              <p:cNvPicPr>
+                <a:picLocks noChangeAspect="1"/>
+              </p:cNvPicPr>
+              <p:nvPr/>
+            </p:nvPicPr>
+            <p:blipFill>
+              <a:blip r:embed="rId7"/>
+              <a:stretch>
+                <a:fillRect/>
+              </a:stretch>
+            </p:blipFill>
+            <p:spPr>
+              <a:xfrm>
+                <a:off x="6605868" y="2937958"/>
+                <a:ext cx="1213104" cy="581782"/>
+              </a:xfrm>
+              <a:prstGeom prst="rect">
+                <a:avLst/>
+              </a:prstGeom>
+            </p:spPr>
+          </p:pic>
+          <p:cxnSp>
+            <p:nvCxnSpPr>
+              <p:cNvPr id="49" name="Straight Arrow Connector 48"/>
+              <p:cNvCxnSpPr/>
+              <p:nvPr/>
+            </p:nvCxnSpPr>
+            <p:spPr>
+              <a:xfrm flipV="1">
+                <a:off x="7285168" y="3549189"/>
+                <a:ext cx="3214" cy="1647393"/>
+              </a:xfrm>
+              <a:prstGeom prst="straightConnector1">
+                <a:avLst/>
+              </a:prstGeom>
+              <a:ln>
+                <a:solidFill>
+                  <a:schemeClr val="accent2">
+                    <a:lumMod val="50000"/>
+                  </a:schemeClr>
+                </a:solidFill>
+                <a:prstDash val="dash"/>
+                <a:tailEnd type="arrow"/>
+              </a:ln>
+            </p:spPr>
+            <p:style>
+              <a:lnRef idx="2">
+                <a:schemeClr val="accent1"/>
+              </a:lnRef>
+              <a:fillRef idx="0">
+                <a:schemeClr val="accent1"/>
+              </a:fillRef>
+              <a:effectRef idx="1">
+                <a:schemeClr val="accent1"/>
+              </a:effectRef>
+              <a:fontRef idx="minor">
+                <a:schemeClr val="tx1"/>
+              </a:fontRef>
+            </p:style>
+          </p:cxnSp>
+          <p:cxnSp>
+            <p:nvCxnSpPr>
+              <p:cNvPr id="57" name="Straight Connector 56"/>
+              <p:cNvCxnSpPr>
+                <a:stCxn id="4" idx="3"/>
+              </p:cNvCxnSpPr>
+              <p:nvPr/>
+            </p:nvCxnSpPr>
+            <p:spPr>
+              <a:xfrm flipV="1">
+                <a:off x="2750047" y="4937997"/>
+                <a:ext cx="1261859" cy="3980"/>
+              </a:xfrm>
+              <a:prstGeom prst="line">
+                <a:avLst/>
+              </a:prstGeom>
+              <a:ln>
+                <a:solidFill>
+                  <a:srgbClr val="632523"/>
+                </a:solidFill>
+                <a:prstDash val="dash"/>
+              </a:ln>
+            </p:spPr>
+            <p:style>
+              <a:lnRef idx="2">
+                <a:schemeClr val="accent1"/>
+              </a:lnRef>
+              <a:fillRef idx="0">
+                <a:schemeClr val="accent1"/>
+              </a:fillRef>
+              <a:effectRef idx="1">
+                <a:schemeClr val="accent1"/>
+              </a:effectRef>
+              <a:fontRef idx="minor">
+                <a:schemeClr val="tx1"/>
+              </a:fontRef>
+            </p:style>
+          </p:cxnSp>
+          <p:cxnSp>
+            <p:nvCxnSpPr>
+              <p:cNvPr id="60" name="Straight Arrow Connector 59"/>
+              <p:cNvCxnSpPr/>
+              <p:nvPr/>
+            </p:nvCxnSpPr>
+            <p:spPr>
+              <a:xfrm>
+                <a:off x="4011906" y="4941977"/>
+                <a:ext cx="0" cy="428750"/>
+              </a:xfrm>
+              <a:prstGeom prst="straightConnector1">
+                <a:avLst/>
+              </a:prstGeom>
+              <a:ln>
+                <a:solidFill>
+                  <a:srgbClr val="632523"/>
+                </a:solidFill>
+                <a:prstDash val="sysDash"/>
+                <a:tailEnd type="arrow"/>
+              </a:ln>
+            </p:spPr>
+            <p:style>
+              <a:lnRef idx="2">
+                <a:schemeClr val="accent1"/>
+              </a:lnRef>
+              <a:fillRef idx="0">
+                <a:schemeClr val="accent1"/>
+              </a:fillRef>
+              <a:effectRef idx="1">
+                <a:schemeClr val="accent1"/>
+              </a:effectRef>
+              <a:fontRef idx="minor">
+                <a:schemeClr val="tx1"/>
+              </a:fontRef>
+            </p:style>
+          </p:cxnSp>
+        </p:grpSp>
+        <p:pic>
+          <p:nvPicPr>
+            <p:cNvPr id="7" name="Picture 6"/>
+            <p:cNvPicPr>
+              <a:picLocks noChangeAspect="1"/>
+            </p:cNvPicPr>
+            <p:nvPr/>
+          </p:nvPicPr>
+          <p:blipFill>
+            <a:blip r:embed="rId8"/>
+            <a:stretch>
+              <a:fillRect/>
+            </a:stretch>
+          </p:blipFill>
+          <p:spPr>
+            <a:xfrm>
+              <a:off x="1239748" y="3482647"/>
+              <a:ext cx="768717" cy="671812"/>
+            </a:xfrm>
+            <a:prstGeom prst="rect">
+              <a:avLst/>
+            </a:prstGeom>
+          </p:spPr>
+        </p:pic>
         <p:sp>
           <p:nvSpPr>
-            <p:cNvPr id="4" name="Rectangle 3"/>
+            <p:cNvPr id="28" name="Rectangle 27"/>
             <p:cNvSpPr/>
             <p:nvPr/>
           </p:nvSpPr>
           <p:spPr>
             <a:xfrm>
-              <a:off x="1014156" y="4219941"/>
-              <a:ext cx="1759632" cy="884160"/>
+              <a:off x="925869" y="3511277"/>
+              <a:ext cx="1356800" cy="816362"/>
             </a:xfrm>
             <a:prstGeom prst="rect">
               <a:avLst/>
@@ -3210,14 +3969,14 @@
         </p:sp>
         <p:sp>
           <p:nvSpPr>
-            <p:cNvPr id="5" name="TextBox 4"/>
+            <p:cNvPr id="29" name="TextBox 28"/>
             <p:cNvSpPr txBox="1"/>
             <p:nvPr/>
           </p:nvSpPr>
           <p:spPr>
             <a:xfrm>
-              <a:off x="1043138" y="4522538"/>
-              <a:ext cx="1706909" cy="276999"/>
+              <a:off x="698932" y="4050639"/>
+              <a:ext cx="1850347" cy="276999"/>
             </a:xfrm>
             <a:prstGeom prst="rect">
               <a:avLst/>
@@ -3230,653 +3989,89 @@
             </a:bodyPr>
             <a:lstStyle/>
             <a:p>
+              <a:pPr algn="ctr"/>
               <a:r>
-                <a:rPr lang="en-US" sz="1200" dirty="0" err="1" smtClean="0"/>
-                <a:t>streaming_producer.py</a:t>
+                <a:rPr lang="en-US" sz="1200" dirty="0" smtClean="0"/>
+                <a:t>pre-trained model</a:t>
               </a:r>
               <a:endParaRPr lang="en-US" sz="1200" dirty="0"/>
             </a:p>
           </p:txBody>
         </p:sp>
-      </p:grpSp>
-      <p:cxnSp>
-        <p:nvCxnSpPr>
-          <p:cNvPr id="8" name="Straight Arrow Connector 7"/>
-          <p:cNvCxnSpPr/>
-          <p:nvPr/>
-        </p:nvCxnSpPr>
-        <p:spPr>
-          <a:xfrm>
-            <a:off x="3370978" y="3525446"/>
-            <a:ext cx="1222563" cy="0"/>
-          </a:xfrm>
-          <a:prstGeom prst="straightConnector1">
-            <a:avLst/>
-          </a:prstGeom>
-          <a:ln>
-            <a:solidFill>
-              <a:srgbClr val="000000"/>
-            </a:solidFill>
-            <a:tailEnd type="arrow"/>
-          </a:ln>
-          <a:effectLst/>
-        </p:spPr>
-        <p:style>
-          <a:lnRef idx="2">
-            <a:schemeClr val="accent1"/>
-          </a:lnRef>
-          <a:fillRef idx="0">
-            <a:schemeClr val="accent1"/>
-          </a:fillRef>
-          <a:effectRef idx="1">
-            <a:schemeClr val="accent1"/>
-          </a:effectRef>
-          <a:fontRef idx="minor">
-            <a:schemeClr val="tx1"/>
-          </a:fontRef>
-        </p:style>
-      </p:cxnSp>
-      <p:grpSp>
-        <p:nvGrpSpPr>
-          <p:cNvPr id="21" name="Group 20"/>
-          <p:cNvGrpSpPr/>
-          <p:nvPr/>
-        </p:nvGrpSpPr>
-        <p:grpSpPr>
-          <a:xfrm>
-            <a:off x="3370978" y="4496752"/>
-            <a:ext cx="4572925" cy="1559106"/>
-            <a:chOff x="4139319" y="4378052"/>
-            <a:chExt cx="4572925" cy="1559106"/>
-          </a:xfrm>
-        </p:grpSpPr>
-        <p:sp>
-          <p:nvSpPr>
-            <p:cNvPr id="11" name="Rectangle 10"/>
-            <p:cNvSpPr/>
+        <p:cxnSp>
+          <p:nvCxnSpPr>
+            <p:cNvPr id="31" name="Straight Connector 30"/>
+            <p:cNvCxnSpPr/>
             <p:nvPr/>
-          </p:nvSpPr>
+          </p:nvCxnSpPr>
           <p:spPr>
             <a:xfrm>
-              <a:off x="4139319" y="4378052"/>
-              <a:ext cx="4572925" cy="1559106"/>
+              <a:off x="2282669" y="4238123"/>
+              <a:ext cx="3461915" cy="15039"/>
             </a:xfrm>
-            <a:prstGeom prst="rect">
+            <a:prstGeom prst="line">
               <a:avLst/>
             </a:prstGeom>
-            <a:noFill/>
-            <a:ln w="28575" cmpd="sng">
+            <a:ln>
               <a:solidFill>
-                <a:schemeClr val="tx1"/>
+                <a:srgbClr val="632523"/>
               </a:solidFill>
+              <a:prstDash val="dash"/>
             </a:ln>
-            <a:effectLst/>
           </p:spPr>
           <p:style>
-            <a:lnRef idx="1">
+            <a:lnRef idx="2">
               <a:schemeClr val="accent1"/>
             </a:lnRef>
-            <a:fillRef idx="3">
+            <a:fillRef idx="0">
               <a:schemeClr val="accent1"/>
             </a:fillRef>
-            <a:effectRef idx="2">
+            <a:effectRef idx="1">
               <a:schemeClr val="accent1"/>
             </a:effectRef>
             <a:fontRef idx="minor">
-              <a:schemeClr val="lt1"/>
+              <a:schemeClr val="tx1"/>
             </a:fontRef>
           </p:style>
-          <p:txBody>
-            <a:bodyPr rtlCol="0" anchor="ctr"/>
-            <a:lstStyle/>
-            <a:p>
-              <a:pPr algn="ctr"/>
-              <a:endParaRPr lang="en-US">
-                <a:ln w="28575" cmpd="sng">
-                  <a:solidFill>
-                    <a:schemeClr val="tx1"/>
-                  </a:solidFill>
-                </a:ln>
-              </a:endParaRPr>
-            </a:p>
-          </p:txBody>
-        </p:sp>
-        <p:sp>
-          <p:nvSpPr>
-            <p:cNvPr id="12" name="TextBox 11"/>
-            <p:cNvSpPr txBox="1"/>
+        </p:cxnSp>
+        <p:cxnSp>
+          <p:nvCxnSpPr>
+            <p:cNvPr id="32" name="Straight Arrow Connector 31"/>
+            <p:cNvCxnSpPr/>
             <p:nvPr/>
-          </p:nvSpPr>
+          </p:nvCxnSpPr>
           <p:spPr>
-            <a:xfrm>
-              <a:off x="5563532" y="4641239"/>
-              <a:ext cx="1706909" cy="276999"/>
+            <a:xfrm flipV="1">
+              <a:off x="5670465" y="3725273"/>
+              <a:ext cx="0" cy="531675"/>
             </a:xfrm>
-            <a:prstGeom prst="rect">
+            <a:prstGeom prst="straightConnector1">
               <a:avLst/>
             </a:prstGeom>
-            <a:noFill/>
             <a:ln>
               <a:solidFill>
-                <a:srgbClr val="000000"/>
+                <a:srgbClr val="632523"/>
               </a:solidFill>
+              <a:prstDash val="sysDash"/>
+              <a:tailEnd type="arrow"/>
             </a:ln>
           </p:spPr>
-          <p:txBody>
-            <a:bodyPr wrap="square" rtlCol="0">
-              <a:spAutoFit/>
-            </a:bodyPr>
-            <a:lstStyle/>
-            <a:p>
-              <a:r>
-                <a:rPr lang="en-US" sz="1200" dirty="0" err="1" smtClean="0"/>
-                <a:t>streaming_consumer.py</a:t>
-              </a:r>
-              <a:endParaRPr lang="en-US" sz="1200" dirty="0"/>
-            </a:p>
-          </p:txBody>
-        </p:sp>
-        <p:grpSp>
-          <p:nvGrpSpPr>
-            <p:cNvPr id="20" name="Group 19"/>
-            <p:cNvGrpSpPr/>
-            <p:nvPr/>
-          </p:nvGrpSpPr>
-          <p:grpSpPr>
-            <a:xfrm>
-              <a:off x="4154335" y="5036941"/>
-              <a:ext cx="4480458" cy="731894"/>
-              <a:chOff x="4154335" y="4493464"/>
-              <a:chExt cx="4480458" cy="731894"/>
-            </a:xfrm>
-          </p:grpSpPr>
-          <p:pic>
-            <p:nvPicPr>
-              <p:cNvPr id="13" name="Picture 12"/>
-              <p:cNvPicPr>
-                <a:picLocks noChangeAspect="1"/>
-              </p:cNvPicPr>
-              <p:nvPr/>
-            </p:nvPicPr>
-            <p:blipFill>
-              <a:blip r:embed="rId4"/>
-              <a:stretch>
-                <a:fillRect/>
-              </a:stretch>
-            </p:blipFill>
-            <p:spPr>
-              <a:xfrm>
-                <a:off x="5808966" y="4493464"/>
-                <a:ext cx="1277153" cy="730846"/>
-              </a:xfrm>
-              <a:prstGeom prst="rect">
-                <a:avLst/>
-              </a:prstGeom>
-            </p:spPr>
-          </p:pic>
-          <p:pic>
-            <p:nvPicPr>
-              <p:cNvPr id="15" name="Picture 14"/>
-              <p:cNvPicPr>
-                <a:picLocks noChangeAspect="1"/>
-              </p:cNvPicPr>
-              <p:nvPr/>
-            </p:nvPicPr>
-            <p:blipFill>
-              <a:blip r:embed="rId5"/>
-              <a:stretch>
-                <a:fillRect/>
-              </a:stretch>
-            </p:blipFill>
-            <p:spPr>
-              <a:xfrm>
-                <a:off x="4154335" y="4534405"/>
-                <a:ext cx="1314496" cy="690953"/>
-              </a:xfrm>
-              <a:prstGeom prst="rect">
-                <a:avLst/>
-              </a:prstGeom>
-            </p:spPr>
-          </p:pic>
-          <p:pic>
-            <p:nvPicPr>
-              <p:cNvPr id="16" name="Picture 15"/>
-              <p:cNvPicPr>
-                <a:picLocks noChangeAspect="1"/>
-              </p:cNvPicPr>
-              <p:nvPr/>
-            </p:nvPicPr>
-            <p:blipFill>
-              <a:blip r:embed="rId6"/>
-              <a:stretch>
-                <a:fillRect/>
-              </a:stretch>
-            </p:blipFill>
-            <p:spPr>
-              <a:xfrm>
-                <a:off x="7472225" y="4708550"/>
-                <a:ext cx="1162568" cy="387741"/>
-              </a:xfrm>
-              <a:prstGeom prst="rect">
-                <a:avLst/>
-              </a:prstGeom>
-            </p:spPr>
-          </p:pic>
-          <p:cxnSp>
-            <p:nvCxnSpPr>
-              <p:cNvPr id="17" name="Straight Arrow Connector 16"/>
-              <p:cNvCxnSpPr/>
-              <p:nvPr/>
-            </p:nvCxnSpPr>
-            <p:spPr>
-              <a:xfrm>
-                <a:off x="5455791" y="4900475"/>
-                <a:ext cx="341305" cy="0"/>
-              </a:xfrm>
-              <a:prstGeom prst="straightConnector1">
-                <a:avLst/>
-              </a:prstGeom>
-              <a:ln>
-                <a:solidFill>
-                  <a:srgbClr val="632523"/>
-                </a:solidFill>
-                <a:prstDash val="sysDash"/>
-                <a:tailEnd type="arrow"/>
-              </a:ln>
-              <a:effectLst/>
-            </p:spPr>
-            <p:style>
-              <a:lnRef idx="2">
-                <a:schemeClr val="accent1"/>
-              </a:lnRef>
-              <a:fillRef idx="0">
-                <a:schemeClr val="accent1"/>
-              </a:fillRef>
-              <a:effectRef idx="1">
-                <a:schemeClr val="accent1"/>
-              </a:effectRef>
-              <a:fontRef idx="minor">
-                <a:schemeClr val="tx1"/>
-              </a:fontRef>
-            </p:style>
-          </p:cxnSp>
-          <p:cxnSp>
-            <p:nvCxnSpPr>
-              <p:cNvPr id="19" name="Straight Arrow Connector 18"/>
-              <p:cNvCxnSpPr/>
-              <p:nvPr/>
-            </p:nvCxnSpPr>
-            <p:spPr>
-              <a:xfrm>
-                <a:off x="7083440" y="4908521"/>
-                <a:ext cx="341305" cy="0"/>
-              </a:xfrm>
-              <a:prstGeom prst="straightConnector1">
-                <a:avLst/>
-              </a:prstGeom>
-              <a:ln>
-                <a:solidFill>
-                  <a:srgbClr val="632523"/>
-                </a:solidFill>
-                <a:prstDash val="sysDash"/>
-                <a:tailEnd type="arrow"/>
-              </a:ln>
-              <a:effectLst/>
-            </p:spPr>
-            <p:style>
-              <a:lnRef idx="2">
-                <a:schemeClr val="accent1"/>
-              </a:lnRef>
-              <a:fillRef idx="0">
-                <a:schemeClr val="accent1"/>
-              </a:fillRef>
-              <a:effectRef idx="1">
-                <a:schemeClr val="accent1"/>
-              </a:effectRef>
-              <a:fontRef idx="minor">
-                <a:schemeClr val="tx1"/>
-              </a:fontRef>
-            </p:style>
-          </p:cxnSp>
-        </p:grpSp>
+          <p:style>
+            <a:lnRef idx="2">
+              <a:schemeClr val="accent1"/>
+            </a:lnRef>
+            <a:fillRef idx="0">
+              <a:schemeClr val="accent1"/>
+            </a:fillRef>
+            <a:effectRef idx="1">
+              <a:schemeClr val="accent1"/>
+            </a:effectRef>
+            <a:fontRef idx="minor">
+              <a:schemeClr val="tx1"/>
+            </a:fontRef>
+          </p:style>
+        </p:cxnSp>
       </p:grpSp>
-      <p:cxnSp>
-        <p:nvCxnSpPr>
-          <p:cNvPr id="23" name="Straight Connector 22"/>
-          <p:cNvCxnSpPr>
-            <a:stCxn id="4" idx="0"/>
-          </p:cNvCxnSpPr>
-          <p:nvPr/>
-        </p:nvCxnSpPr>
-        <p:spPr>
-          <a:xfrm flipV="1">
-            <a:off x="1870231" y="3893421"/>
-            <a:ext cx="0" cy="606476"/>
-          </a:xfrm>
-          <a:prstGeom prst="line">
-            <a:avLst/>
-          </a:prstGeom>
-          <a:ln>
-            <a:solidFill>
-              <a:srgbClr val="000000"/>
-            </a:solidFill>
-          </a:ln>
-        </p:spPr>
-        <p:style>
-          <a:lnRef idx="2">
-            <a:schemeClr val="accent1"/>
-          </a:lnRef>
-          <a:fillRef idx="0">
-            <a:schemeClr val="accent1"/>
-          </a:fillRef>
-          <a:effectRef idx="1">
-            <a:schemeClr val="accent1"/>
-          </a:effectRef>
-          <a:fontRef idx="minor">
-            <a:schemeClr val="tx1"/>
-          </a:fontRef>
-        </p:style>
-      </p:cxnSp>
-      <p:cxnSp>
-        <p:nvCxnSpPr>
-          <p:cNvPr id="27" name="Straight Connector 26"/>
-          <p:cNvCxnSpPr/>
-          <p:nvPr/>
-        </p:nvCxnSpPr>
-        <p:spPr>
-          <a:xfrm flipV="1">
-            <a:off x="5595364" y="4089369"/>
-            <a:ext cx="0" cy="410528"/>
-          </a:xfrm>
-          <a:prstGeom prst="line">
-            <a:avLst/>
-          </a:prstGeom>
-          <a:ln>
-            <a:solidFill>
-              <a:srgbClr val="000000"/>
-            </a:solidFill>
-          </a:ln>
-        </p:spPr>
-        <p:style>
-          <a:lnRef idx="2">
-            <a:schemeClr val="accent1"/>
-          </a:lnRef>
-          <a:fillRef idx="0">
-            <a:schemeClr val="accent1"/>
-          </a:fillRef>
-          <a:effectRef idx="1">
-            <a:schemeClr val="accent1"/>
-          </a:effectRef>
-          <a:fontRef idx="minor">
-            <a:schemeClr val="tx1"/>
-          </a:fontRef>
-        </p:style>
-      </p:cxnSp>
-      <p:cxnSp>
-        <p:nvCxnSpPr>
-          <p:cNvPr id="30" name="Straight Connector 29"/>
-          <p:cNvCxnSpPr>
-            <a:endCxn id="3" idx="3"/>
-          </p:cNvCxnSpPr>
-          <p:nvPr/>
-        </p:nvCxnSpPr>
-        <p:spPr>
-          <a:xfrm flipH="1">
-            <a:off x="6077839" y="3341690"/>
-            <a:ext cx="388651" cy="0"/>
-          </a:xfrm>
-          <a:prstGeom prst="line">
-            <a:avLst/>
-          </a:prstGeom>
-          <a:ln>
-            <a:solidFill>
-              <a:srgbClr val="000000"/>
-            </a:solidFill>
-          </a:ln>
-        </p:spPr>
-        <p:style>
-          <a:lnRef idx="2">
-            <a:schemeClr val="accent1"/>
-          </a:lnRef>
-          <a:fillRef idx="0">
-            <a:schemeClr val="accent1"/>
-          </a:fillRef>
-          <a:effectRef idx="1">
-            <a:schemeClr val="accent1"/>
-          </a:effectRef>
-          <a:fontRef idx="minor">
-            <a:schemeClr val="tx1"/>
-          </a:fontRef>
-        </p:style>
-      </p:cxnSp>
-      <p:sp>
-        <p:nvSpPr>
-          <p:cNvPr id="34" name="Rectangle 33"/>
-          <p:cNvSpPr/>
-          <p:nvPr/>
-        </p:nvSpPr>
-        <p:spPr>
-          <a:xfrm>
-            <a:off x="6502100" y="2718272"/>
-            <a:ext cx="1441803" cy="1044577"/>
-          </a:xfrm>
-          <a:prstGeom prst="rect">
-            <a:avLst/>
-          </a:prstGeom>
-          <a:noFill/>
-          <a:ln w="28575" cmpd="sng">
-            <a:solidFill>
-              <a:schemeClr val="tx1"/>
-            </a:solidFill>
-          </a:ln>
-          <a:effectLst/>
-        </p:spPr>
-        <p:style>
-          <a:lnRef idx="1">
-            <a:schemeClr val="accent1"/>
-          </a:lnRef>
-          <a:fillRef idx="3">
-            <a:schemeClr val="accent1"/>
-          </a:fillRef>
-          <a:effectRef idx="2">
-            <a:schemeClr val="accent1"/>
-          </a:effectRef>
-          <a:fontRef idx="minor">
-            <a:schemeClr val="lt1"/>
-          </a:fontRef>
-        </p:style>
-        <p:txBody>
-          <a:bodyPr rtlCol="0" anchor="ctr"/>
-          <a:lstStyle/>
-          <a:p>
-            <a:pPr algn="ctr"/>
-            <a:endParaRPr lang="en-US">
-              <a:ln w="28575" cmpd="sng">
-                <a:solidFill>
-                  <a:schemeClr val="tx1"/>
-                </a:solidFill>
-              </a:ln>
-            </a:endParaRPr>
-          </a:p>
-        </p:txBody>
-      </p:sp>
-      <p:pic>
-        <p:nvPicPr>
-          <p:cNvPr id="42" name="Picture 41"/>
-          <p:cNvPicPr>
-            <a:picLocks noChangeAspect="1"/>
-          </p:cNvPicPr>
-          <p:nvPr/>
-        </p:nvPicPr>
-        <p:blipFill>
-          <a:blip r:embed="rId7"/>
-          <a:stretch>
-            <a:fillRect/>
-          </a:stretch>
-        </p:blipFill>
-        <p:spPr>
-          <a:xfrm>
-            <a:off x="6605868" y="2937958"/>
-            <a:ext cx="1213104" cy="581782"/>
-          </a:xfrm>
-          <a:prstGeom prst="rect">
-            <a:avLst/>
-          </a:prstGeom>
-        </p:spPr>
-      </p:pic>
-      <p:cxnSp>
-        <p:nvCxnSpPr>
-          <p:cNvPr id="46" name="Straight Arrow Connector 45"/>
-          <p:cNvCxnSpPr/>
-          <p:nvPr/>
-        </p:nvCxnSpPr>
-        <p:spPr>
-          <a:xfrm>
-            <a:off x="7147854" y="3596667"/>
-            <a:ext cx="1" cy="1599915"/>
-          </a:xfrm>
-          <a:prstGeom prst="straightConnector1">
-            <a:avLst/>
-          </a:prstGeom>
-          <a:ln>
-            <a:solidFill>
-              <a:schemeClr val="accent2">
-                <a:lumMod val="50000"/>
-              </a:schemeClr>
-            </a:solidFill>
-            <a:prstDash val="dash"/>
-            <a:tailEnd type="arrow"/>
-          </a:ln>
-        </p:spPr>
-        <p:style>
-          <a:lnRef idx="2">
-            <a:schemeClr val="accent1"/>
-          </a:lnRef>
-          <a:fillRef idx="0">
-            <a:schemeClr val="accent1"/>
-          </a:fillRef>
-          <a:effectRef idx="1">
-            <a:schemeClr val="accent1"/>
-          </a:effectRef>
-          <a:fontRef idx="minor">
-            <a:schemeClr val="tx1"/>
-          </a:fontRef>
-        </p:style>
-      </p:cxnSp>
-      <p:cxnSp>
-        <p:nvCxnSpPr>
-          <p:cNvPr id="49" name="Straight Arrow Connector 48"/>
-          <p:cNvCxnSpPr/>
-          <p:nvPr/>
-        </p:nvCxnSpPr>
-        <p:spPr>
-          <a:xfrm flipV="1">
-            <a:off x="7285168" y="3549189"/>
-            <a:ext cx="3214" cy="1647393"/>
-          </a:xfrm>
-          <a:prstGeom prst="straightConnector1">
-            <a:avLst/>
-          </a:prstGeom>
-          <a:ln>
-            <a:solidFill>
-              <a:schemeClr val="accent2">
-                <a:lumMod val="50000"/>
-              </a:schemeClr>
-            </a:solidFill>
-            <a:prstDash val="dash"/>
-            <a:tailEnd type="arrow"/>
-          </a:ln>
-        </p:spPr>
-        <p:style>
-          <a:lnRef idx="2">
-            <a:schemeClr val="accent1"/>
-          </a:lnRef>
-          <a:fillRef idx="0">
-            <a:schemeClr val="accent1"/>
-          </a:fillRef>
-          <a:effectRef idx="1">
-            <a:schemeClr val="accent1"/>
-          </a:effectRef>
-          <a:fontRef idx="minor">
-            <a:schemeClr val="tx1"/>
-          </a:fontRef>
-        </p:style>
-      </p:cxnSp>
-      <p:cxnSp>
-        <p:nvCxnSpPr>
-          <p:cNvPr id="57" name="Straight Connector 56"/>
-          <p:cNvCxnSpPr>
-            <a:stCxn id="4" idx="3"/>
-          </p:cNvCxnSpPr>
-          <p:nvPr/>
-        </p:nvCxnSpPr>
-        <p:spPr>
-          <a:xfrm flipV="1">
-            <a:off x="2750047" y="4937997"/>
-            <a:ext cx="1261859" cy="3980"/>
-          </a:xfrm>
-          <a:prstGeom prst="line">
-            <a:avLst/>
-          </a:prstGeom>
-          <a:ln>
-            <a:solidFill>
-              <a:srgbClr val="632523"/>
-            </a:solidFill>
-            <a:prstDash val="dash"/>
-          </a:ln>
-        </p:spPr>
-        <p:style>
-          <a:lnRef idx="2">
-            <a:schemeClr val="accent1"/>
-          </a:lnRef>
-          <a:fillRef idx="0">
-            <a:schemeClr val="accent1"/>
-          </a:fillRef>
-          <a:effectRef idx="1">
-            <a:schemeClr val="accent1"/>
-          </a:effectRef>
-          <a:fontRef idx="minor">
-            <a:schemeClr val="tx1"/>
-          </a:fontRef>
-        </p:style>
-      </p:cxnSp>
-      <p:cxnSp>
-        <p:nvCxnSpPr>
-          <p:cNvPr id="60" name="Straight Arrow Connector 59"/>
-          <p:cNvCxnSpPr/>
-          <p:nvPr/>
-        </p:nvCxnSpPr>
-        <p:spPr>
-          <a:xfrm>
-            <a:off x="4011906" y="4941977"/>
-            <a:ext cx="0" cy="428750"/>
-          </a:xfrm>
-          <a:prstGeom prst="straightConnector1">
-            <a:avLst/>
-          </a:prstGeom>
-          <a:ln>
-            <a:solidFill>
-              <a:srgbClr val="632523"/>
-            </a:solidFill>
-            <a:prstDash val="sysDash"/>
-            <a:tailEnd type="arrow"/>
-          </a:ln>
-        </p:spPr>
-        <p:style>
-          <a:lnRef idx="2">
-            <a:schemeClr val="accent1"/>
-          </a:lnRef>
-          <a:fillRef idx="0">
-            <a:schemeClr val="accent1"/>
-          </a:fillRef>
-          <a:effectRef idx="1">
-            <a:schemeClr val="accent1"/>
-          </a:effectRef>
-          <a:fontRef idx="minor">
-            <a:schemeClr val="tx1"/>
-          </a:fontRef>
-        </p:style>
-      </p:cxnSp>
     </p:spTree>
     <p:extLst>
       <p:ext uri="{BB962C8B-B14F-4D97-AF65-F5344CB8AC3E}">

--- a/flask/app/static/img/pipeline.pptx
+++ b/flask/app/static/img/pipeline.pptx
@@ -3134,9 +3134,9 @@
           <p:grpSpPr>
             <a:xfrm>
               <a:off x="875961" y="560816"/>
-              <a:ext cx="7003396" cy="3461847"/>
+              <a:ext cx="7003396" cy="3401244"/>
               <a:chOff x="940507" y="2594011"/>
-              <a:chExt cx="7003396" cy="3461847"/>
+              <a:chExt cx="7003396" cy="3401244"/>
             </a:xfrm>
           </p:grpSpPr>
           <p:pic>
@@ -3296,8 +3296,8 @@
             </p:nvCxnSpPr>
             <p:spPr>
               <a:xfrm>
-                <a:off x="3370978" y="3525446"/>
-                <a:ext cx="1222563" cy="0"/>
+                <a:off x="3044414" y="3519740"/>
+                <a:ext cx="1549127" cy="5706"/>
               </a:xfrm>
               <a:prstGeom prst="straightConnector1">
                 <a:avLst/>
@@ -3334,9 +3334,9 @@
             <p:grpSpPr>
               <a:xfrm>
                 <a:off x="3370978" y="4496752"/>
-                <a:ext cx="4572925" cy="1559106"/>
+                <a:ext cx="4572925" cy="1498503"/>
                 <a:chOff x="4139319" y="4378052"/>
-                <a:chExt cx="4572925" cy="1559106"/>
+                <a:chExt cx="4572925" cy="1498503"/>
               </a:xfrm>
             </p:grpSpPr>
             <p:sp>
@@ -3348,7 +3348,7 @@
               <p:spPr>
                 <a:xfrm>
                   <a:off x="4139319" y="4378052"/>
-                  <a:ext cx="4572925" cy="1559106"/>
+                  <a:ext cx="4572925" cy="1498503"/>
                 </a:xfrm>
                 <a:prstGeom prst="rect">
                   <a:avLst/>
@@ -3784,9 +3784,9 @@
               <p:nvPr/>
             </p:nvCxnSpPr>
             <p:spPr>
-              <a:xfrm flipV="1">
-                <a:off x="7285168" y="3549189"/>
-                <a:ext cx="3214" cy="1647393"/>
+              <a:xfrm flipH="1" flipV="1">
+                <a:off x="7288382" y="3549190"/>
+                <a:ext cx="5303" cy="1647392"/>
               </a:xfrm>
               <a:prstGeom prst="straightConnector1">
                 <a:avLst/>
@@ -4042,7 +4042,7 @@
           </p:nvCxnSpPr>
           <p:spPr>
             <a:xfrm flipV="1">
-              <a:off x="5670465" y="3725273"/>
+              <a:off x="5681223" y="3725273"/>
               <a:ext cx="0" cy="531675"/>
             </a:xfrm>
             <a:prstGeom prst="straightConnector1">

--- a/flask/app/static/img/pipeline.pptx
+++ b/flask/app/static/img/pipeline.pptx
@@ -3277,11 +3277,7 @@
                   <a:pPr algn="ctr"/>
                   <a:r>
                     <a:rPr lang="en-US" sz="1200" dirty="0" smtClean="0"/>
-                    <a:t>python </a:t>
-                  </a:r>
-                  <a:r>
-                    <a:rPr lang="en-US" sz="1200" dirty="0" err="1" smtClean="0"/>
-                    <a:t>auto_producer.py</a:t>
+                    <a:t>python auto_producer.py</a:t>
                   </a:r>
                   <a:endParaRPr lang="en-US" sz="1200" dirty="0"/>
                 </a:p>
@@ -3418,12 +3414,8 @@
                 <a:lstStyle/>
                 <a:p>
                   <a:r>
-                    <a:rPr lang="en-US" sz="1200" smtClean="0"/>
-                    <a:t>./bin/spark-submit </a:t>
-                  </a:r>
-                  <a:r>
-                    <a:rPr lang="en-US" sz="1200" dirty="0" err="1" smtClean="0"/>
-                    <a:t>stream_predict.py</a:t>
+                    <a:rPr lang="en-US" sz="1200" dirty="0" smtClean="0"/>
+                    <a:t>./bin/spark-submit stream_predict.py</a:t>
                   </a:r>
                   <a:endParaRPr lang="en-US" sz="1200" dirty="0"/>
                 </a:p>
